--- a/Image processing/introduction.pptx
+++ b/Image processing/introduction.pptx
@@ -13,6 +13,7 @@
     <p:sldId id="262" r:id="rId7"/>
     <p:sldId id="263" r:id="rId8"/>
     <p:sldId id="264" r:id="rId9"/>
+    <p:sldId id="265" r:id="rId10"/>
   </p:sldIdLst>
   <p:sldSz cx="12192000" cy="6858000"/>
   <p:notesSz cx="6858000" cy="9144000"/>
@@ -4713,6 +4714,476 @@
 </p:sld>
 </file>
 
+<file path=ppt/slides/slide9.xml><?xml version="1.0" encoding="utf-8"?>
+<p:sld xmlns:a="http://schemas.openxmlformats.org/drawingml/2006/main" xmlns:r="http://schemas.openxmlformats.org/officeDocument/2006/relationships" xmlns:p="http://schemas.openxmlformats.org/presentationml/2006/main">
+  <p:cSld>
+    <p:spTree>
+      <p:nvGrpSpPr>
+        <p:cNvPr id="1" name=""/>
+        <p:cNvGrpSpPr/>
+        <p:nvPr/>
+      </p:nvGrpSpPr>
+      <p:grpSpPr>
+        <a:xfrm>
+          <a:off x="0" y="0"/>
+          <a:ext cx="0" cy="0"/>
+          <a:chOff x="0" y="0"/>
+          <a:chExt cx="0" cy="0"/>
+        </a:xfrm>
+      </p:grpSpPr>
+      <p:sp>
+        <p:nvSpPr>
+          <p:cNvPr id="2" name="Title 1">
+            <a:extLst>
+              <a:ext uri="{FF2B5EF4-FFF2-40B4-BE49-F238E27FC236}">
+                <a16:creationId xmlns:a16="http://schemas.microsoft.com/office/drawing/2014/main" id="{96014F2E-8010-774E-A91E-3707B0629CCA}"/>
+              </a:ext>
+            </a:extLst>
+          </p:cNvPr>
+          <p:cNvSpPr>
+            <a:spLocks noGrp="1"/>
+          </p:cNvSpPr>
+          <p:nvPr>
+            <p:ph type="title"/>
+          </p:nvPr>
+        </p:nvSpPr>
+        <p:spPr>
+          <a:xfrm>
+            <a:off x="339736" y="0"/>
+            <a:ext cx="10515600" cy="1325563"/>
+          </a:xfrm>
+        </p:spPr>
+        <p:txBody>
+          <a:bodyPr/>
+          <a:lstStyle/>
+          <a:p>
+            <a:r>
+              <a:rPr lang="en-DE" dirty="0"/>
+              <a:t>Light Sources</a:t>
+            </a:r>
+          </a:p>
+        </p:txBody>
+      </p:sp>
+      <p:pic>
+        <p:nvPicPr>
+          <p:cNvPr id="4098" name="Picture 2" descr="LSMC1: Hohe-Leuchtdichte">
+            <a:extLst>
+              <a:ext uri="{FF2B5EF4-FFF2-40B4-BE49-F238E27FC236}">
+                <a16:creationId xmlns:a16="http://schemas.microsoft.com/office/drawing/2014/main" id="{859533A2-E40C-5C46-B720-6F5C4EAD4CBC}"/>
+              </a:ext>
+            </a:extLst>
+          </p:cNvPr>
+          <p:cNvPicPr>
+            <a:picLocks noChangeAspect="1" noChangeArrowheads="1"/>
+          </p:cNvPicPr>
+          <p:nvPr/>
+        </p:nvPicPr>
+        <p:blipFill rotWithShape="1">
+          <a:blip r:embed="rId2">
+            <a:extLst>
+              <a:ext uri="{28A0092B-C50C-407E-A947-70E740481C1C}">
+                <a14:useLocalDpi xmlns:a14="http://schemas.microsoft.com/office/drawing/2010/main" val="0"/>
+              </a:ext>
+            </a:extLst>
+          </a:blip>
+          <a:srcRect t="15628" r="9871"/>
+          <a:stretch/>
+        </p:blipFill>
+        <p:spPr bwMode="auto">
+          <a:xfrm>
+            <a:off x="339736" y="4330902"/>
+            <a:ext cx="3662109" cy="2287269"/>
+          </a:xfrm>
+          <a:prstGeom prst="rect">
+            <a:avLst/>
+          </a:prstGeom>
+          <a:noFill/>
+          <a:extLst>
+            <a:ext uri="{909E8E84-426E-40DD-AFC4-6F175D3DCCD1}">
+              <a14:hiddenFill xmlns:a14="http://schemas.microsoft.com/office/drawing/2010/main">
+                <a:solidFill>
+                  <a:srgbClr val="FFFFFF"/>
+                </a:solidFill>
+              </a14:hiddenFill>
+            </a:ext>
+          </a:extLst>
+        </p:spPr>
+      </p:pic>
+      <p:sp>
+        <p:nvSpPr>
+          <p:cNvPr id="4" name="TextBox 3">
+            <a:extLst>
+              <a:ext uri="{FF2B5EF4-FFF2-40B4-BE49-F238E27FC236}">
+                <a16:creationId xmlns:a16="http://schemas.microsoft.com/office/drawing/2014/main" id="{7716927E-29DC-934A-AE60-527CCC4628C0}"/>
+              </a:ext>
+            </a:extLst>
+          </p:cNvPr>
+          <p:cNvSpPr txBox="1"/>
+          <p:nvPr/>
+        </p:nvSpPr>
+        <p:spPr>
+          <a:xfrm>
+            <a:off x="178372" y="3429000"/>
+            <a:ext cx="4261872" cy="646331"/>
+          </a:xfrm>
+          <a:prstGeom prst="rect">
+            <a:avLst/>
+          </a:prstGeom>
+          <a:noFill/>
+        </p:spPr>
+        <p:txBody>
+          <a:bodyPr wrap="none" rtlCol="0">
+            <a:spAutoFit/>
+          </a:bodyPr>
+          <a:lstStyle/>
+          <a:p>
+            <a:r>
+              <a:rPr lang="en-DE" dirty="0"/>
+              <a:t>Continuous wave LED based light source</a:t>
+            </a:r>
+          </a:p>
+          <a:p>
+            <a:r>
+              <a:rPr lang="en-GB" dirty="0"/>
+              <a:t>Light transmitted through l</a:t>
+            </a:r>
+            <a:r>
+              <a:rPr lang="en-DE" dirty="0"/>
+              <a:t>iquid light guide </a:t>
+            </a:r>
+          </a:p>
+        </p:txBody>
+      </p:sp>
+      <p:pic>
+        <p:nvPicPr>
+          <p:cNvPr id="6" name="Picture 5">
+            <a:extLst>
+              <a:ext uri="{FF2B5EF4-FFF2-40B4-BE49-F238E27FC236}">
+                <a16:creationId xmlns:a16="http://schemas.microsoft.com/office/drawing/2014/main" id="{6834A559-E82B-5B48-80C0-6E83E8CA527C}"/>
+              </a:ext>
+            </a:extLst>
+          </p:cNvPr>
+          <p:cNvPicPr>
+            <a:picLocks noChangeAspect="1"/>
+          </p:cNvPicPr>
+          <p:nvPr/>
+        </p:nvPicPr>
+        <p:blipFill>
+          <a:blip r:embed="rId3"/>
+          <a:stretch>
+            <a:fillRect/>
+          </a:stretch>
+        </p:blipFill>
+        <p:spPr>
+          <a:xfrm>
+            <a:off x="8449787" y="1595461"/>
+            <a:ext cx="3306603" cy="1610000"/>
+          </a:xfrm>
+          <a:prstGeom prst="rect">
+            <a:avLst/>
+          </a:prstGeom>
+        </p:spPr>
+      </p:pic>
+      <p:sp>
+        <p:nvSpPr>
+          <p:cNvPr id="7" name="TextBox 6">
+            <a:extLst>
+              <a:ext uri="{FF2B5EF4-FFF2-40B4-BE49-F238E27FC236}">
+                <a16:creationId xmlns:a16="http://schemas.microsoft.com/office/drawing/2014/main" id="{BD2AD72C-8593-D842-B14C-845282597838}"/>
+              </a:ext>
+            </a:extLst>
+          </p:cNvPr>
+          <p:cNvSpPr txBox="1"/>
+          <p:nvPr/>
+        </p:nvSpPr>
+        <p:spPr>
+          <a:xfrm>
+            <a:off x="8007733" y="906490"/>
+            <a:ext cx="3646447" cy="646331"/>
+          </a:xfrm>
+          <a:prstGeom prst="rect">
+            <a:avLst/>
+          </a:prstGeom>
+          <a:noFill/>
+        </p:spPr>
+        <p:txBody>
+          <a:bodyPr wrap="none" rtlCol="0">
+            <a:spAutoFit/>
+          </a:bodyPr>
+          <a:lstStyle/>
+          <a:p>
+            <a:r>
+              <a:rPr lang="en-DE" dirty="0"/>
+              <a:t>Pulsed laser diode based light source</a:t>
+            </a:r>
+          </a:p>
+          <a:p>
+            <a:r>
+              <a:rPr lang="en-GB" dirty="0"/>
+              <a:t>P</a:t>
+            </a:r>
+            <a:r>
+              <a:rPr lang="en-DE" dirty="0"/>
+              <a:t>ulse duration about 10ns </a:t>
+            </a:r>
+          </a:p>
+        </p:txBody>
+      </p:sp>
+      <p:pic>
+        <p:nvPicPr>
+          <p:cNvPr id="4102" name="Picture 6" descr="Microjoule Class Femtosecond Industrial Lasers FemtoLux3">
+            <a:extLst>
+              <a:ext uri="{FF2B5EF4-FFF2-40B4-BE49-F238E27FC236}">
+                <a16:creationId xmlns:a16="http://schemas.microsoft.com/office/drawing/2014/main" id="{3B5608E0-BF9A-0541-A451-3C23AB2C1DC6}"/>
+              </a:ext>
+            </a:extLst>
+          </p:cNvPr>
+          <p:cNvPicPr>
+            <a:picLocks noChangeAspect="1" noChangeArrowheads="1"/>
+          </p:cNvPicPr>
+          <p:nvPr/>
+        </p:nvPicPr>
+        <p:blipFill>
+          <a:blip r:embed="rId4">
+            <a:extLst>
+              <a:ext uri="{28A0092B-C50C-407E-A947-70E740481C1C}">
+                <a14:useLocalDpi xmlns:a14="http://schemas.microsoft.com/office/drawing/2010/main" val="0"/>
+              </a:ext>
+            </a:extLst>
+          </a:blip>
+          <a:srcRect/>
+          <a:stretch>
+            <a:fillRect/>
+          </a:stretch>
+        </p:blipFill>
+        <p:spPr bwMode="auto">
+          <a:xfrm>
+            <a:off x="7726751" y="4105494"/>
+            <a:ext cx="4198801" cy="2624251"/>
+          </a:xfrm>
+          <a:prstGeom prst="rect">
+            <a:avLst/>
+          </a:prstGeom>
+          <a:noFill/>
+          <a:extLst>
+            <a:ext uri="{909E8E84-426E-40DD-AFC4-6F175D3DCCD1}">
+              <a14:hiddenFill xmlns:a14="http://schemas.microsoft.com/office/drawing/2010/main">
+                <a:solidFill>
+                  <a:srgbClr val="FFFFFF"/>
+                </a:solidFill>
+              </a14:hiddenFill>
+            </a:ext>
+          </a:extLst>
+        </p:spPr>
+      </p:pic>
+      <p:sp>
+        <p:nvSpPr>
+          <p:cNvPr id="9" name="TextBox 8">
+            <a:extLst>
+              <a:ext uri="{FF2B5EF4-FFF2-40B4-BE49-F238E27FC236}">
+                <a16:creationId xmlns:a16="http://schemas.microsoft.com/office/drawing/2014/main" id="{792B91A5-D92A-F64F-857C-A2C6E8EC1C1F}"/>
+              </a:ext>
+            </a:extLst>
+          </p:cNvPr>
+          <p:cNvSpPr txBox="1"/>
+          <p:nvPr/>
+        </p:nvSpPr>
+        <p:spPr>
+          <a:xfrm>
+            <a:off x="6900122" y="3429000"/>
+            <a:ext cx="4754058" cy="646331"/>
+          </a:xfrm>
+          <a:prstGeom prst="rect">
+            <a:avLst/>
+          </a:prstGeom>
+          <a:noFill/>
+        </p:spPr>
+        <p:txBody>
+          <a:bodyPr wrap="none" rtlCol="0">
+            <a:spAutoFit/>
+          </a:bodyPr>
+          <a:lstStyle/>
+          <a:p>
+            <a:r>
+              <a:rPr lang="en-GB" dirty="0"/>
+              <a:t>fs and </a:t>
+            </a:r>
+            <a:r>
+              <a:rPr lang="en-GB" dirty="0" err="1"/>
+              <a:t>ps</a:t>
+            </a:r>
+            <a:r>
+              <a:rPr lang="en-GB" dirty="0"/>
+              <a:t> high repetition rate lasers, coupled into</a:t>
+            </a:r>
+          </a:p>
+          <a:p>
+            <a:r>
+              <a:rPr lang="en-GB" dirty="0"/>
+              <a:t>multimode glass </a:t>
+            </a:r>
+            <a:r>
+              <a:rPr lang="en-GB" dirty="0" err="1"/>
+              <a:t>fiber</a:t>
+            </a:r>
+            <a:r>
+              <a:rPr lang="en-GB" dirty="0"/>
+              <a:t> up to 10MHz</a:t>
+            </a:r>
+            <a:endParaRPr lang="en-DE" dirty="0"/>
+          </a:p>
+        </p:txBody>
+      </p:sp>
+      <p:pic>
+        <p:nvPicPr>
+          <p:cNvPr id="4104" name="Picture 8">
+            <a:extLst>
+              <a:ext uri="{FF2B5EF4-FFF2-40B4-BE49-F238E27FC236}">
+                <a16:creationId xmlns:a16="http://schemas.microsoft.com/office/drawing/2014/main" id="{3C2442FC-9612-E445-A781-F500B94F1D94}"/>
+              </a:ext>
+            </a:extLst>
+          </p:cNvPr>
+          <p:cNvPicPr>
+            <a:picLocks noChangeAspect="1" noChangeArrowheads="1"/>
+          </p:cNvPicPr>
+          <p:nvPr/>
+        </p:nvPicPr>
+        <p:blipFill>
+          <a:blip r:embed="rId5">
+            <a:extLst>
+              <a:ext uri="{28A0092B-C50C-407E-A947-70E740481C1C}">
+                <a14:useLocalDpi xmlns:a14="http://schemas.microsoft.com/office/drawing/2010/main" val="0"/>
+              </a:ext>
+            </a:extLst>
+          </a:blip>
+          <a:srcRect/>
+          <a:stretch>
+            <a:fillRect/>
+          </a:stretch>
+        </p:blipFill>
+        <p:spPr bwMode="auto">
+          <a:xfrm>
+            <a:off x="2088911" y="1213022"/>
+            <a:ext cx="2268252" cy="1915413"/>
+          </a:xfrm>
+          <a:prstGeom prst="rect">
+            <a:avLst/>
+          </a:prstGeom>
+          <a:noFill/>
+          <a:extLst>
+            <a:ext uri="{909E8E84-426E-40DD-AFC4-6F175D3DCCD1}">
+              <a14:hiddenFill xmlns:a14="http://schemas.microsoft.com/office/drawing/2010/main">
+                <a:solidFill>
+                  <a:srgbClr val="FFFFFF"/>
+                </a:solidFill>
+              </a14:hiddenFill>
+            </a:ext>
+          </a:extLst>
+        </p:spPr>
+      </p:pic>
+      <p:sp>
+        <p:nvSpPr>
+          <p:cNvPr id="10" name="TextBox 9">
+            <a:extLst>
+              <a:ext uri="{FF2B5EF4-FFF2-40B4-BE49-F238E27FC236}">
+                <a16:creationId xmlns:a16="http://schemas.microsoft.com/office/drawing/2014/main" id="{BE04E3FC-0047-6647-8B02-648B3688DB72}"/>
+              </a:ext>
+            </a:extLst>
+          </p:cNvPr>
+          <p:cNvSpPr txBox="1"/>
+          <p:nvPr/>
+        </p:nvSpPr>
+        <p:spPr>
+          <a:xfrm>
+            <a:off x="178372" y="1289504"/>
+            <a:ext cx="1692451" cy="646331"/>
+          </a:xfrm>
+          <a:prstGeom prst="rect">
+            <a:avLst/>
+          </a:prstGeom>
+          <a:noFill/>
+        </p:spPr>
+        <p:txBody>
+          <a:bodyPr wrap="none" rtlCol="0">
+            <a:spAutoFit/>
+          </a:bodyPr>
+          <a:lstStyle/>
+          <a:p>
+            <a:r>
+              <a:rPr lang="en-DE" dirty="0"/>
+              <a:t>LED up to 100W</a:t>
+            </a:r>
+          </a:p>
+          <a:p>
+            <a:r>
+              <a:rPr lang="en-GB" dirty="0"/>
+              <a:t>e</a:t>
+            </a:r>
+            <a:r>
+              <a:rPr lang="en-DE" dirty="0"/>
+              <a:t>lectrical power</a:t>
+            </a:r>
+          </a:p>
+        </p:txBody>
+      </p:sp>
+      <p:pic>
+        <p:nvPicPr>
+          <p:cNvPr id="4106" name="Picture 10" descr="Excellent] EF-430ST Shoe Mount Xenon Flash Strobe For Pentax 35mm AF SLR |  eBay">
+            <a:extLst>
+              <a:ext uri="{FF2B5EF4-FFF2-40B4-BE49-F238E27FC236}">
+                <a16:creationId xmlns:a16="http://schemas.microsoft.com/office/drawing/2014/main" id="{D6972EF2-6F49-2D4E-AC19-2920106E8F33}"/>
+              </a:ext>
+            </a:extLst>
+          </p:cNvPr>
+          <p:cNvPicPr>
+            <a:picLocks noChangeAspect="1" noChangeArrowheads="1"/>
+          </p:cNvPicPr>
+          <p:nvPr/>
+        </p:nvPicPr>
+        <p:blipFill rotWithShape="1">
+          <a:blip r:embed="rId6">
+            <a:extLst>
+              <a:ext uri="{28A0092B-C50C-407E-A947-70E740481C1C}">
+                <a14:useLocalDpi xmlns:a14="http://schemas.microsoft.com/office/drawing/2010/main" val="0"/>
+              </a:ext>
+            </a:extLst>
+          </a:blip>
+          <a:srcRect l="19929" r="18430"/>
+          <a:stretch/>
+        </p:blipFill>
+        <p:spPr bwMode="auto">
+          <a:xfrm>
+            <a:off x="5323491" y="662781"/>
+            <a:ext cx="2152795" cy="2324100"/>
+          </a:xfrm>
+          <a:prstGeom prst="rect">
+            <a:avLst/>
+          </a:prstGeom>
+          <a:noFill/>
+          <a:extLst>
+            <a:ext uri="{909E8E84-426E-40DD-AFC4-6F175D3DCCD1}">
+              <a14:hiddenFill xmlns:a14="http://schemas.microsoft.com/office/drawing/2010/main">
+                <a:solidFill>
+                  <a:srgbClr val="FFFFFF"/>
+                </a:solidFill>
+              </a14:hiddenFill>
+            </a:ext>
+          </a:extLst>
+        </p:spPr>
+      </p:pic>
+    </p:spTree>
+    <p:extLst>
+      <p:ext uri="{BB962C8B-B14F-4D97-AF65-F5344CB8AC3E}">
+        <p14:creationId xmlns:p14="http://schemas.microsoft.com/office/powerpoint/2010/main" val="599331975"/>
+      </p:ext>
+    </p:extLst>
+  </p:cSld>
+  <p:clrMapOvr>
+    <a:masterClrMapping/>
+  </p:clrMapOvr>
+</p:sld>
+</file>
+
 <file path=ppt/theme/theme1.xml><?xml version="1.0" encoding="utf-8"?>
 <a:theme xmlns:a="http://schemas.openxmlformats.org/drawingml/2006/main" name="Office Theme">
   <a:themeElements>

--- a/Image processing/introduction.pptx
+++ b/Image processing/introduction.pptx
@@ -14,6 +14,7 @@
     <p:sldId id="263" r:id="rId8"/>
     <p:sldId id="264" r:id="rId9"/>
     <p:sldId id="265" r:id="rId10"/>
+    <p:sldId id="266" r:id="rId11"/>
   </p:sldIdLst>
   <p:sldSz cx="12192000" cy="6858000"/>
   <p:notesSz cx="6858000" cy="9144000"/>
@@ -3435,6 +3436,139 @@
 </p:sld>
 </file>
 
+<file path=ppt/slides/slide10.xml><?xml version="1.0" encoding="utf-8"?>
+<p:sld xmlns:a="http://schemas.openxmlformats.org/drawingml/2006/main" xmlns:r="http://schemas.openxmlformats.org/officeDocument/2006/relationships" xmlns:p="http://schemas.openxmlformats.org/presentationml/2006/main">
+  <p:cSld>
+    <p:spTree>
+      <p:nvGrpSpPr>
+        <p:cNvPr id="1" name=""/>
+        <p:cNvGrpSpPr/>
+        <p:nvPr/>
+      </p:nvGrpSpPr>
+      <p:grpSpPr>
+        <a:xfrm>
+          <a:off x="0" y="0"/>
+          <a:ext cx="0" cy="0"/>
+          <a:chOff x="0" y="0"/>
+          <a:chExt cx="0" cy="0"/>
+        </a:xfrm>
+      </p:grpSpPr>
+      <p:sp>
+        <p:nvSpPr>
+          <p:cNvPr id="2" name="Title 1">
+            <a:extLst>
+              <a:ext uri="{FF2B5EF4-FFF2-40B4-BE49-F238E27FC236}">
+                <a16:creationId xmlns:a16="http://schemas.microsoft.com/office/drawing/2014/main" id="{6617E822-DDD4-9C48-B11C-8960FA8B307A}"/>
+              </a:ext>
+            </a:extLst>
+          </p:cNvPr>
+          <p:cNvSpPr>
+            <a:spLocks noGrp="1"/>
+          </p:cNvSpPr>
+          <p:nvPr>
+            <p:ph type="title"/>
+          </p:nvPr>
+        </p:nvSpPr>
+        <p:spPr>
+          <a:xfrm>
+            <a:off x="3710940" y="151758"/>
+            <a:ext cx="4770120" cy="1325563"/>
+          </a:xfrm>
+        </p:spPr>
+        <p:txBody>
+          <a:bodyPr/>
+          <a:lstStyle/>
+          <a:p>
+            <a:r>
+              <a:rPr lang="en-DE" dirty="0"/>
+              <a:t>Kind of illumination</a:t>
+            </a:r>
+          </a:p>
+        </p:txBody>
+      </p:sp>
+      <p:sp>
+        <p:nvSpPr>
+          <p:cNvPr id="6" name="TextBox 5">
+            <a:extLst>
+              <a:ext uri="{FF2B5EF4-FFF2-40B4-BE49-F238E27FC236}">
+                <a16:creationId xmlns:a16="http://schemas.microsoft.com/office/drawing/2014/main" id="{B78C41A6-E6A9-6745-A2F9-C3F560A16510}"/>
+              </a:ext>
+            </a:extLst>
+          </p:cNvPr>
+          <p:cNvSpPr txBox="1"/>
+          <p:nvPr/>
+        </p:nvSpPr>
+        <p:spPr>
+          <a:xfrm>
+            <a:off x="1850315" y="1690688"/>
+            <a:ext cx="2020553" cy="369332"/>
+          </a:xfrm>
+          <a:prstGeom prst="rect">
+            <a:avLst/>
+          </a:prstGeom>
+          <a:noFill/>
+        </p:spPr>
+        <p:txBody>
+          <a:bodyPr wrap="none" rtlCol="0">
+            <a:spAutoFit/>
+          </a:bodyPr>
+          <a:lstStyle/>
+          <a:p>
+            <a:r>
+              <a:rPr lang="en-DE" dirty="0"/>
+              <a:t>Diffuse illumination</a:t>
+            </a:r>
+          </a:p>
+        </p:txBody>
+      </p:sp>
+      <p:sp>
+        <p:nvSpPr>
+          <p:cNvPr id="7" name="TextBox 6">
+            <a:extLst>
+              <a:ext uri="{FF2B5EF4-FFF2-40B4-BE49-F238E27FC236}">
+                <a16:creationId xmlns:a16="http://schemas.microsoft.com/office/drawing/2014/main" id="{B7FD62D8-9A84-B648-A463-79749AF36472}"/>
+              </a:ext>
+            </a:extLst>
+          </p:cNvPr>
+          <p:cNvSpPr txBox="1"/>
+          <p:nvPr/>
+        </p:nvSpPr>
+        <p:spPr>
+          <a:xfrm>
+            <a:off x="7110805" y="1690688"/>
+            <a:ext cx="1620187" cy="369332"/>
+          </a:xfrm>
+          <a:prstGeom prst="rect">
+            <a:avLst/>
+          </a:prstGeom>
+          <a:noFill/>
+        </p:spPr>
+        <p:txBody>
+          <a:bodyPr wrap="none" rtlCol="0">
+            <a:spAutoFit/>
+          </a:bodyPr>
+          <a:lstStyle/>
+          <a:p>
+            <a:r>
+              <a:rPr lang="en-DE" dirty="0"/>
+              <a:t>Shadowgraphy</a:t>
+            </a:r>
+          </a:p>
+        </p:txBody>
+      </p:sp>
+    </p:spTree>
+    <p:extLst>
+      <p:ext uri="{BB962C8B-B14F-4D97-AF65-F5344CB8AC3E}">
+        <p14:creationId xmlns:p14="http://schemas.microsoft.com/office/powerpoint/2010/main" val="98198255"/>
+      </p:ext>
+    </p:extLst>
+  </p:cSld>
+  <p:clrMapOvr>
+    <a:masterClrMapping/>
+  </p:clrMapOvr>
+</p:sld>
+</file>
+
 <file path=ppt/slides/slide2.xml><?xml version="1.0" encoding="utf-8"?>
 <p:sld xmlns:a="http://schemas.openxmlformats.org/drawingml/2006/main" xmlns:r="http://schemas.openxmlformats.org/officeDocument/2006/relationships" xmlns:p="http://schemas.openxmlformats.org/presentationml/2006/main">
   <p:cSld>
@@ -4239,8 +4373,8 @@
         </p:nvSpPr>
         <p:spPr>
           <a:xfrm>
-            <a:off x="1014058" y="162833"/>
-            <a:ext cx="8480461" cy="1325563"/>
+            <a:off x="2208530" y="47994"/>
+            <a:ext cx="7774940" cy="1325563"/>
           </a:xfrm>
         </p:spPr>
         <p:txBody>
@@ -4490,6 +4624,80 @@
             <a:r>
               <a:rPr lang="en-DE" dirty="0"/>
               <a:t>Up to 10 million frames/s</a:t>
+            </a:r>
+          </a:p>
+        </p:txBody>
+      </p:sp>
+      <p:sp>
+        <p:nvSpPr>
+          <p:cNvPr id="7" name="TextBox 6">
+            <a:extLst>
+              <a:ext uri="{FF2B5EF4-FFF2-40B4-BE49-F238E27FC236}">
+                <a16:creationId xmlns:a16="http://schemas.microsoft.com/office/drawing/2014/main" id="{EFBD8573-F387-8C42-B715-DFFB08B6EC88}"/>
+              </a:ext>
+            </a:extLst>
+          </p:cNvPr>
+          <p:cNvSpPr txBox="1"/>
+          <p:nvPr/>
+        </p:nvSpPr>
+        <p:spPr>
+          <a:xfrm>
+            <a:off x="2027605" y="1333322"/>
+            <a:ext cx="2003177" cy="369332"/>
+          </a:xfrm>
+          <a:prstGeom prst="rect">
+            <a:avLst/>
+          </a:prstGeom>
+          <a:noFill/>
+        </p:spPr>
+        <p:txBody>
+          <a:bodyPr wrap="none" rtlCol="0">
+            <a:spAutoFit/>
+          </a:bodyPr>
+          <a:lstStyle/>
+          <a:p>
+            <a:r>
+              <a:rPr lang="en-GB" dirty="0"/>
+              <a:t>O</a:t>
+            </a:r>
+            <a:r>
+              <a:rPr lang="en-DE" dirty="0"/>
+              <a:t>ff-sensor memory</a:t>
+            </a:r>
+          </a:p>
+        </p:txBody>
+      </p:sp>
+      <p:sp>
+        <p:nvSpPr>
+          <p:cNvPr id="8" name="TextBox 7">
+            <a:extLst>
+              <a:ext uri="{FF2B5EF4-FFF2-40B4-BE49-F238E27FC236}">
+                <a16:creationId xmlns:a16="http://schemas.microsoft.com/office/drawing/2014/main" id="{16027F98-C493-8B49-873F-179111D69E1C}"/>
+              </a:ext>
+            </a:extLst>
+          </p:cNvPr>
+          <p:cNvSpPr txBox="1"/>
+          <p:nvPr/>
+        </p:nvSpPr>
+        <p:spPr>
+          <a:xfrm>
+            <a:off x="7047506" y="1303730"/>
+            <a:ext cx="1992405" cy="369332"/>
+          </a:xfrm>
+          <a:prstGeom prst="rect">
+            <a:avLst/>
+          </a:prstGeom>
+          <a:noFill/>
+        </p:spPr>
+        <p:txBody>
+          <a:bodyPr wrap="none" rtlCol="0">
+            <a:spAutoFit/>
+          </a:bodyPr>
+          <a:lstStyle/>
+          <a:p>
+            <a:r>
+              <a:rPr lang="en-DE" dirty="0"/>
+              <a:t>On-sensor memory</a:t>
             </a:r>
           </a:p>
         </p:txBody>
@@ -4540,19 +4748,89 @@
         </p:nvPicPr>
         <p:blipFill rotWithShape="1">
           <a:blip r:embed="rId2"/>
-          <a:srcRect l="96" r="25303"/>
+          <a:srcRect l="95" t="12871" r="1588"/>
           <a:stretch/>
         </p:blipFill>
         <p:spPr>
           <a:xfrm>
-            <a:off x="1613646" y="535268"/>
-            <a:ext cx="8358691" cy="5787464"/>
+            <a:off x="355001" y="556783"/>
+            <a:ext cx="11015832" cy="5042572"/>
           </a:xfrm>
           <a:prstGeom prst="rect">
             <a:avLst/>
           </a:prstGeom>
         </p:spPr>
       </p:pic>
+      <p:sp>
+        <p:nvSpPr>
+          <p:cNvPr id="8" name="TextBox 7">
+            <a:extLst>
+              <a:ext uri="{FF2B5EF4-FFF2-40B4-BE49-F238E27FC236}">
+                <a16:creationId xmlns:a16="http://schemas.microsoft.com/office/drawing/2014/main" id="{B62C8301-4A33-F94E-A600-6BC4583DD451}"/>
+              </a:ext>
+            </a:extLst>
+          </p:cNvPr>
+          <p:cNvSpPr txBox="1"/>
+          <p:nvPr/>
+        </p:nvSpPr>
+        <p:spPr>
+          <a:xfrm>
+            <a:off x="3313355" y="187451"/>
+            <a:ext cx="5274777" cy="369332"/>
+          </a:xfrm>
+          <a:prstGeom prst="rect">
+            <a:avLst/>
+          </a:prstGeom>
+          <a:noFill/>
+        </p:spPr>
+        <p:txBody>
+          <a:bodyPr wrap="none" rtlCol="0">
+            <a:spAutoFit/>
+          </a:bodyPr>
+          <a:lstStyle/>
+          <a:p>
+            <a:r>
+              <a:rPr lang="en-DE" dirty="0"/>
+              <a:t>Framing rate off sensor memory camera (Mini AX200) </a:t>
+            </a:r>
+          </a:p>
+        </p:txBody>
+      </p:sp>
+      <p:sp>
+        <p:nvSpPr>
+          <p:cNvPr id="10" name="TextBox 9">
+            <a:extLst>
+              <a:ext uri="{FF2B5EF4-FFF2-40B4-BE49-F238E27FC236}">
+                <a16:creationId xmlns:a16="http://schemas.microsoft.com/office/drawing/2014/main" id="{5A24550F-1B6F-A94D-B10D-5007408BAF31}"/>
+              </a:ext>
+            </a:extLst>
+          </p:cNvPr>
+          <p:cNvSpPr txBox="1"/>
+          <p:nvPr/>
+        </p:nvSpPr>
+        <p:spPr>
+          <a:xfrm>
+            <a:off x="2937058" y="5931885"/>
+            <a:ext cx="6317883" cy="369332"/>
+          </a:xfrm>
+          <a:prstGeom prst="rect">
+            <a:avLst/>
+          </a:prstGeom>
+          <a:noFill/>
+        </p:spPr>
+        <p:txBody>
+          <a:bodyPr wrap="none" rtlCol="0">
+            <a:spAutoFit/>
+          </a:bodyPr>
+          <a:lstStyle/>
+          <a:p>
+            <a:r>
+              <a:rPr lang="en-DE" dirty="0"/>
+              <a:t>Framing rate limited by pixel clock and number of ADC converters</a:t>
+            </a:r>
+          </a:p>
+        </p:txBody>
+      </p:sp>
     </p:spTree>
     <p:extLst>
       <p:ext uri="{BB962C8B-B14F-4D97-AF65-F5344CB8AC3E}">
@@ -4693,7 +4971,7 @@
         </p:blipFill>
         <p:spPr>
           <a:xfrm>
-            <a:off x="2027073" y="1714850"/>
+            <a:off x="1941011" y="961814"/>
             <a:ext cx="6578600" cy="4381500"/>
           </a:xfrm>
           <a:prstGeom prst="rect">
@@ -4701,6 +4979,253 @@
           </a:prstGeom>
         </p:spPr>
       </p:pic>
+      <p:sp>
+        <p:nvSpPr>
+          <p:cNvPr id="5" name="TextBox 4">
+            <a:extLst>
+              <a:ext uri="{FF2B5EF4-FFF2-40B4-BE49-F238E27FC236}">
+                <a16:creationId xmlns:a16="http://schemas.microsoft.com/office/drawing/2014/main" id="{BEC74B71-ED94-EE40-9BAD-5806C9F3FB72}"/>
+              </a:ext>
+            </a:extLst>
+          </p:cNvPr>
+          <p:cNvSpPr txBox="1"/>
+          <p:nvPr/>
+        </p:nvSpPr>
+        <p:spPr>
+          <a:xfrm>
+            <a:off x="8519611" y="4604274"/>
+            <a:ext cx="3299942" cy="369332"/>
+          </a:xfrm>
+          <a:prstGeom prst="rect">
+            <a:avLst/>
+          </a:prstGeom>
+          <a:noFill/>
+        </p:spPr>
+        <p:txBody>
+          <a:bodyPr wrap="none" rtlCol="0">
+            <a:spAutoFit/>
+          </a:bodyPr>
+          <a:lstStyle/>
+          <a:p>
+            <a:r>
+              <a:rPr lang="en-DE" dirty="0"/>
+              <a:t>Light source controls illumination</a:t>
+            </a:r>
+          </a:p>
+        </p:txBody>
+      </p:sp>
+      <p:sp>
+        <p:nvSpPr>
+          <p:cNvPr id="6" name="TextBox 5">
+            <a:extLst>
+              <a:ext uri="{FF2B5EF4-FFF2-40B4-BE49-F238E27FC236}">
+                <a16:creationId xmlns:a16="http://schemas.microsoft.com/office/drawing/2014/main" id="{CE3C4D27-1E90-034D-B37D-EAF3A8740435}"/>
+              </a:ext>
+            </a:extLst>
+          </p:cNvPr>
+          <p:cNvSpPr txBox="1"/>
+          <p:nvPr/>
+        </p:nvSpPr>
+        <p:spPr>
+          <a:xfrm>
+            <a:off x="8519611" y="2803863"/>
+            <a:ext cx="2887137" cy="369332"/>
+          </a:xfrm>
+          <a:prstGeom prst="rect">
+            <a:avLst/>
+          </a:prstGeom>
+          <a:noFill/>
+        </p:spPr>
+        <p:txBody>
+          <a:bodyPr wrap="none" rtlCol="0">
+            <a:spAutoFit/>
+          </a:bodyPr>
+          <a:lstStyle/>
+          <a:p>
+            <a:r>
+              <a:rPr lang="en-DE" dirty="0"/>
+              <a:t>Camera controls illumination</a:t>
+            </a:r>
+          </a:p>
+        </p:txBody>
+      </p:sp>
+      <p:sp>
+        <p:nvSpPr>
+          <p:cNvPr id="7" name="Right Brace 6">
+            <a:extLst>
+              <a:ext uri="{FF2B5EF4-FFF2-40B4-BE49-F238E27FC236}">
+                <a16:creationId xmlns:a16="http://schemas.microsoft.com/office/drawing/2014/main" id="{8376DEAA-0A9F-B941-9AB8-552275669ED4}"/>
+              </a:ext>
+            </a:extLst>
+          </p:cNvPr>
+          <p:cNvSpPr/>
+          <p:nvPr/>
+        </p:nvSpPr>
+        <p:spPr>
+          <a:xfrm>
+            <a:off x="8175812" y="2409713"/>
+            <a:ext cx="343799" cy="1237129"/>
+          </a:xfrm>
+          <a:prstGeom prst="rightBrace">
+            <a:avLst/>
+          </a:prstGeom>
+          <a:ln/>
+        </p:spPr>
+        <p:style>
+          <a:lnRef idx="3">
+            <a:schemeClr val="accent2"/>
+          </a:lnRef>
+          <a:fillRef idx="0">
+            <a:schemeClr val="accent2"/>
+          </a:fillRef>
+          <a:effectRef idx="2">
+            <a:schemeClr val="accent2"/>
+          </a:effectRef>
+          <a:fontRef idx="minor">
+            <a:schemeClr val="tx1"/>
+          </a:fontRef>
+        </p:style>
+        <p:txBody>
+          <a:bodyPr rtlCol="0" anchor="ctr"/>
+          <a:lstStyle/>
+          <a:p>
+            <a:pPr algn="ctr"/>
+            <a:endParaRPr lang="en-DE"/>
+          </a:p>
+        </p:txBody>
+      </p:sp>
+      <p:sp>
+        <p:nvSpPr>
+          <p:cNvPr id="8" name="Right Brace 7">
+            <a:extLst>
+              <a:ext uri="{FF2B5EF4-FFF2-40B4-BE49-F238E27FC236}">
+                <a16:creationId xmlns:a16="http://schemas.microsoft.com/office/drawing/2014/main" id="{9F487E79-E04E-0144-B5A0-7FE86BDE974B}"/>
+              </a:ext>
+            </a:extLst>
+          </p:cNvPr>
+          <p:cNvSpPr/>
+          <p:nvPr/>
+        </p:nvSpPr>
+        <p:spPr>
+          <a:xfrm>
+            <a:off x="8175812" y="4172535"/>
+            <a:ext cx="343799" cy="1237129"/>
+          </a:xfrm>
+          <a:prstGeom prst="rightBrace">
+            <a:avLst/>
+          </a:prstGeom>
+          <a:ln/>
+        </p:spPr>
+        <p:style>
+          <a:lnRef idx="3">
+            <a:schemeClr val="accent2"/>
+          </a:lnRef>
+          <a:fillRef idx="0">
+            <a:schemeClr val="accent2"/>
+          </a:fillRef>
+          <a:effectRef idx="2">
+            <a:schemeClr val="accent2"/>
+          </a:effectRef>
+          <a:fontRef idx="minor">
+            <a:schemeClr val="tx1"/>
+          </a:fontRef>
+        </p:style>
+        <p:txBody>
+          <a:bodyPr rtlCol="0" anchor="ctr"/>
+          <a:lstStyle/>
+          <a:p>
+            <a:pPr algn="ctr"/>
+            <a:endParaRPr lang="en-DE"/>
+          </a:p>
+        </p:txBody>
+      </p:sp>
+      <p:sp>
+        <p:nvSpPr>
+          <p:cNvPr id="9" name="Rectangle 8">
+            <a:extLst>
+              <a:ext uri="{FF2B5EF4-FFF2-40B4-BE49-F238E27FC236}">
+                <a16:creationId xmlns:a16="http://schemas.microsoft.com/office/drawing/2014/main" id="{167C26BE-1194-A745-88C7-631521129D38}"/>
+              </a:ext>
+            </a:extLst>
+          </p:cNvPr>
+          <p:cNvSpPr/>
+          <p:nvPr/>
+        </p:nvSpPr>
+        <p:spPr>
+          <a:xfrm>
+            <a:off x="548640" y="3894268"/>
+            <a:ext cx="11370833" cy="1843196"/>
+          </a:xfrm>
+          <a:prstGeom prst="rect">
+            <a:avLst/>
+          </a:prstGeom>
+          <a:solidFill>
+            <a:schemeClr val="bg1"/>
+          </a:solidFill>
+          <a:ln>
+            <a:noFill/>
+          </a:ln>
+        </p:spPr>
+        <p:style>
+          <a:lnRef idx="2">
+            <a:schemeClr val="accent1">
+              <a:shade val="50000"/>
+            </a:schemeClr>
+          </a:lnRef>
+          <a:fillRef idx="1">
+            <a:schemeClr val="accent1"/>
+          </a:fillRef>
+          <a:effectRef idx="0">
+            <a:schemeClr val="accent1"/>
+          </a:effectRef>
+          <a:fontRef idx="minor">
+            <a:schemeClr val="lt1"/>
+          </a:fontRef>
+        </p:style>
+        <p:txBody>
+          <a:bodyPr rtlCol="0" anchor="ctr"/>
+          <a:lstStyle/>
+          <a:p>
+            <a:pPr algn="ctr"/>
+            <a:endParaRPr lang="en-DE"/>
+          </a:p>
+        </p:txBody>
+      </p:sp>
+      <p:sp>
+        <p:nvSpPr>
+          <p:cNvPr id="10" name="TextBox 9">
+            <a:extLst>
+              <a:ext uri="{FF2B5EF4-FFF2-40B4-BE49-F238E27FC236}">
+                <a16:creationId xmlns:a16="http://schemas.microsoft.com/office/drawing/2014/main" id="{5CFA1CD9-371D-EB4B-BD5C-4F576430CF62}"/>
+              </a:ext>
+            </a:extLst>
+          </p:cNvPr>
+          <p:cNvSpPr txBox="1"/>
+          <p:nvPr/>
+        </p:nvSpPr>
+        <p:spPr>
+          <a:xfrm>
+            <a:off x="3861996" y="377039"/>
+            <a:ext cx="2989986" cy="584775"/>
+          </a:xfrm>
+          <a:prstGeom prst="rect">
+            <a:avLst/>
+          </a:prstGeom>
+          <a:noFill/>
+        </p:spPr>
+        <p:txBody>
+          <a:bodyPr wrap="none" rtlCol="0">
+            <a:spAutoFit/>
+          </a:bodyPr>
+          <a:lstStyle/>
+          <a:p>
+            <a:r>
+              <a:rPr lang="en-DE" sz="3200" dirty="0"/>
+              <a:t>Exposure control</a:t>
+            </a:r>
+          </a:p>
+        </p:txBody>
+      </p:sp>
     </p:spTree>
     <p:extLst>
       <p:ext uri="{BB962C8B-B14F-4D97-AF65-F5344CB8AC3E}">
@@ -4711,6 +5236,84 @@
   <p:clrMapOvr>
     <a:masterClrMapping/>
   </p:clrMapOvr>
+  <p:timing>
+    <p:tnLst>
+      <p:par>
+        <p:cTn id="1" dur="indefinite" restart="never" nodeType="tmRoot">
+          <p:childTnLst>
+            <p:seq concurrent="1" nextAc="seek">
+              <p:cTn id="2" dur="indefinite" nodeType="mainSeq">
+                <p:childTnLst>
+                  <p:par>
+                    <p:cTn id="3" fill="hold">
+                      <p:stCondLst>
+                        <p:cond delay="indefinite"/>
+                      </p:stCondLst>
+                      <p:childTnLst>
+                        <p:par>
+                          <p:cTn id="4" fill="hold">
+                            <p:stCondLst>
+                              <p:cond delay="0"/>
+                            </p:stCondLst>
+                            <p:childTnLst>
+                              <p:par>
+                                <p:cTn id="5" presetID="1" presetClass="exit" presetSubtype="0" fill="hold" grpId="0" nodeType="clickEffect">
+                                  <p:stCondLst>
+                                    <p:cond delay="0"/>
+                                  </p:stCondLst>
+                                  <p:childTnLst>
+                                    <p:set>
+                                      <p:cBhvr>
+                                        <p:cTn id="6" dur="1" fill="hold">
+                                          <p:stCondLst>
+                                            <p:cond delay="0"/>
+                                          </p:stCondLst>
+                                        </p:cTn>
+                                        <p:tgtEl>
+                                          <p:spTgt spid="9"/>
+                                        </p:tgtEl>
+                                        <p:attrNameLst>
+                                          <p:attrName>style.visibility</p:attrName>
+                                        </p:attrNameLst>
+                                      </p:cBhvr>
+                                      <p:to>
+                                        <p:strVal val="hidden"/>
+                                      </p:to>
+                                    </p:set>
+                                  </p:childTnLst>
+                                </p:cTn>
+                              </p:par>
+                            </p:childTnLst>
+                          </p:cTn>
+                        </p:par>
+                      </p:childTnLst>
+                    </p:cTn>
+                  </p:par>
+                </p:childTnLst>
+              </p:cTn>
+              <p:prevCondLst>
+                <p:cond evt="onPrev" delay="0">
+                  <p:tgtEl>
+                    <p:sldTgt/>
+                  </p:tgtEl>
+                </p:cond>
+              </p:prevCondLst>
+              <p:nextCondLst>
+                <p:cond evt="onNext" delay="0">
+                  <p:tgtEl>
+                    <p:sldTgt/>
+                  </p:tgtEl>
+                </p:cond>
+              </p:nextCondLst>
+            </p:seq>
+          </p:childTnLst>
+        </p:cTn>
+      </p:par>
+    </p:tnLst>
+    <p:bldLst>
+      <p:bldP spid="9" grpId="0" animBg="1"/>
+    </p:bldLst>
+  </p:timing>
 </p:sld>
 </file>
 
@@ -4749,8 +5352,8 @@
         </p:nvSpPr>
         <p:spPr>
           <a:xfrm>
-            <a:off x="339736" y="0"/>
-            <a:ext cx="10515600" cy="1325563"/>
+            <a:off x="4357163" y="-307738"/>
+            <a:ext cx="3728910" cy="1325563"/>
           </a:xfrm>
         </p:spPr>
         <p:txBody>
@@ -4839,7 +5442,7 @@
           <a:p>
             <a:r>
               <a:rPr lang="en-DE" dirty="0"/>
-              <a:t>Continuous wave LED based light source</a:t>
+              <a:t>LED based light source</a:t>
             </a:r>
           </a:p>
           <a:p>
@@ -4958,8 +5561,8 @@
         </p:blipFill>
         <p:spPr bwMode="auto">
           <a:xfrm>
-            <a:off x="7726751" y="4105494"/>
-            <a:ext cx="4198801" cy="2624251"/>
+            <a:off x="8810513" y="4105495"/>
+            <a:ext cx="3115039" cy="1946900"/>
           </a:xfrm>
           <a:prstGeom prst="rect">
             <a:avLst/>
@@ -4990,8 +5593,8 @@
         </p:nvSpPr>
         <p:spPr>
           <a:xfrm>
-            <a:off x="6900122" y="3429000"/>
-            <a:ext cx="4754058" cy="646331"/>
+            <a:off x="8007733" y="3245412"/>
+            <a:ext cx="4130936" cy="923330"/>
           </a:xfrm>
           <a:prstGeom prst="rect">
             <a:avLst/>
@@ -4999,7 +5602,7 @@
           <a:noFill/>
         </p:spPr>
         <p:txBody>
-          <a:bodyPr wrap="none" rtlCol="0">
+          <a:bodyPr wrap="square" rtlCol="0">
             <a:spAutoFit/>
           </a:bodyPr>
           <a:lstStyle/>
@@ -5153,7 +5756,7 @@
         </p:blipFill>
         <p:spPr bwMode="auto">
           <a:xfrm>
-            <a:off x="5323491" y="662781"/>
+            <a:off x="5410158" y="2675729"/>
             <a:ext cx="2152795" cy="2324100"/>
           </a:xfrm>
           <a:prstGeom prst="rect">
@@ -5171,6 +5774,52 @@
           </a:extLst>
         </p:spPr>
       </p:pic>
+      <p:sp>
+        <p:nvSpPr>
+          <p:cNvPr id="12" name="TextBox 11">
+            <a:extLst>
+              <a:ext uri="{FF2B5EF4-FFF2-40B4-BE49-F238E27FC236}">
+                <a16:creationId xmlns:a16="http://schemas.microsoft.com/office/drawing/2014/main" id="{16C92873-14C6-3E4F-B662-8BA7A1CE3CE7}"/>
+              </a:ext>
+            </a:extLst>
+          </p:cNvPr>
+          <p:cNvSpPr txBox="1"/>
+          <p:nvPr/>
+        </p:nvSpPr>
+        <p:spPr>
+          <a:xfrm>
+            <a:off x="5730321" y="4999829"/>
+            <a:ext cx="1499706" cy="646331"/>
+          </a:xfrm>
+          <a:prstGeom prst="rect">
+            <a:avLst/>
+          </a:prstGeom>
+          <a:noFill/>
+        </p:spPr>
+        <p:txBody>
+          <a:bodyPr wrap="none" rtlCol="0">
+            <a:spAutoFit/>
+          </a:bodyPr>
+          <a:lstStyle/>
+          <a:p>
+            <a:r>
+              <a:rPr lang="en-GB" dirty="0"/>
+              <a:t>C</a:t>
+            </a:r>
+            <a:r>
+              <a:rPr lang="en-DE" dirty="0"/>
+              <a:t>heap option </a:t>
+            </a:r>
+            <a:br>
+              <a:rPr lang="en-DE" dirty="0"/>
+            </a:br>
+            <a:r>
+              <a:rPr lang="en-DE" dirty="0"/>
+              <a:t>photo strobe</a:t>
+            </a:r>
+          </a:p>
+        </p:txBody>
+      </p:sp>
     </p:spTree>
     <p:extLst>
       <p:ext uri="{BB962C8B-B14F-4D97-AF65-F5344CB8AC3E}">
